--- a/presentation.pptx
+++ b/presentation.pptx
@@ -5,7 +5,7 @@
     <p:sldMasterId id="2147483648" r:id="rId1"/>
   </p:sldMasterIdLst>
   <p:notesMasterIdLst>
-    <p:notesMasterId r:id="rId16"/>
+    <p:notesMasterId r:id="rId17"/>
   </p:notesMasterIdLst>
   <p:sldIdLst>
     <p:sldId id="256" r:id="rId2"/>
@@ -13,15 +13,16 @@
     <p:sldId id="259" r:id="rId4"/>
     <p:sldId id="258" r:id="rId5"/>
     <p:sldId id="260" r:id="rId6"/>
-    <p:sldId id="263" r:id="rId7"/>
-    <p:sldId id="270" r:id="rId8"/>
-    <p:sldId id="265" r:id="rId9"/>
-    <p:sldId id="274" r:id="rId10"/>
-    <p:sldId id="266" r:id="rId11"/>
-    <p:sldId id="271" r:id="rId12"/>
-    <p:sldId id="272" r:id="rId13"/>
-    <p:sldId id="273" r:id="rId14"/>
-    <p:sldId id="269" r:id="rId15"/>
+    <p:sldId id="275" r:id="rId7"/>
+    <p:sldId id="263" r:id="rId8"/>
+    <p:sldId id="270" r:id="rId9"/>
+    <p:sldId id="265" r:id="rId10"/>
+    <p:sldId id="274" r:id="rId11"/>
+    <p:sldId id="266" r:id="rId12"/>
+    <p:sldId id="271" r:id="rId13"/>
+    <p:sldId id="272" r:id="rId14"/>
+    <p:sldId id="273" r:id="rId15"/>
+    <p:sldId id="269" r:id="rId16"/>
   </p:sldIdLst>
   <p:sldSz cx="12192000" cy="6858000"/>
   <p:notesSz cx="6858000" cy="9144000"/>
@@ -489,11 +490,11 @@
         </c:dLbls>
         <c:marker val="1"/>
         <c:smooth val="0"/>
-        <c:axId val="-1248295792"/>
-        <c:axId val="-1290843472"/>
+        <c:axId val="446478560"/>
+        <c:axId val="446315456"/>
       </c:lineChart>
       <c:catAx>
-        <c:axId val="-1248295792"/>
+        <c:axId val="446478560"/>
         <c:scaling>
           <c:orientation val="minMax"/>
         </c:scaling>
@@ -536,7 +537,7 @@
             <a:endParaRPr lang="zh-CN"/>
           </a:p>
         </c:txPr>
-        <c:crossAx val="-1290843472"/>
+        <c:crossAx val="446315456"/>
         <c:crosses val="autoZero"/>
         <c:auto val="1"/>
         <c:lblAlgn val="ctr"/>
@@ -544,7 +545,7 @@
         <c:noMultiLvlLbl val="0"/>
       </c:catAx>
       <c:valAx>
-        <c:axId val="-1290843472"/>
+        <c:axId val="446315456"/>
         <c:scaling>
           <c:orientation val="minMax"/>
         </c:scaling>
@@ -595,7 +596,7 @@
             <a:endParaRPr lang="zh-CN"/>
           </a:p>
         </c:txPr>
-        <c:crossAx val="-1248295792"/>
+        <c:crossAx val="446478560"/>
         <c:crosses val="autoZero"/>
         <c:crossBetween val="between"/>
       </c:valAx>
@@ -1385,7 +1386,7 @@
           <a:p>
             <a:fld id="{61A8A959-265E-A14D-9549-AB5D8C7A3D31}" type="datetimeFigureOut">
               <a:rPr lang="en-US" smtClean="0"/>
-              <a:t>6/16/17</a:t>
+              <a:t>6/19/17</a:t>
             </a:fld>
             <a:endParaRPr lang="en-US"/>
           </a:p>
@@ -2239,7 +2240,7 @@
           <a:p>
             <a:fld id="{8C75725E-2621-5C41-904C-7D0F1E33D84C}" type="datetime1">
               <a:rPr lang="zh-CN" altLang="en-US" smtClean="0"/>
-              <a:t>2017/6/16</a:t>
+              <a:t>2017/6/19</a:t>
             </a:fld>
             <a:endParaRPr lang="en-US" dirty="0"/>
           </a:p>
@@ -2531,7 +2532,7 @@
           <a:p>
             <a:fld id="{D4F89178-A490-CC45-9174-9B31F703D3DF}" type="datetime1">
               <a:rPr lang="zh-CN" altLang="en-US" smtClean="0"/>
-              <a:t>2017/6/16</a:t>
+              <a:t>2017/6/19</a:t>
             </a:fld>
             <a:endParaRPr lang="en-US" dirty="0"/>
           </a:p>
@@ -2775,7 +2776,7 @@
           <a:p>
             <a:fld id="{37E60B0B-77E1-3F46-A59E-0DD8FD48FC48}" type="datetime1">
               <a:rPr lang="zh-CN" altLang="en-US" smtClean="0"/>
-              <a:t>2017/6/16</a:t>
+              <a:t>2017/6/19</a:t>
             </a:fld>
             <a:endParaRPr lang="en-US" dirty="0"/>
           </a:p>
@@ -3311,7 +3312,7 @@
           <a:p>
             <a:fld id="{CB0E7DA5-810B-C742-BBE3-AA8AE192C062}" type="datetime1">
               <a:rPr lang="zh-CN" altLang="en-US" smtClean="0"/>
-              <a:t>2017/6/16</a:t>
+              <a:t>2017/6/19</a:t>
             </a:fld>
             <a:endParaRPr lang="en-US" dirty="0"/>
           </a:p>
@@ -3555,7 +3556,7 @@
           <a:p>
             <a:fld id="{6D65FE4B-B396-FE47-9559-0B503F68C264}" type="datetime1">
               <a:rPr lang="zh-CN" altLang="en-US" smtClean="0"/>
-              <a:t>2017/6/16</a:t>
+              <a:t>2017/6/19</a:t>
             </a:fld>
             <a:endParaRPr lang="en-US" dirty="0"/>
           </a:p>
@@ -4083,7 +4084,7 @@
           <a:p>
             <a:fld id="{62881954-99C2-B046-8FEA-AE2F01B35EBB}" type="datetime1">
               <a:rPr lang="zh-CN" altLang="en-US" smtClean="0"/>
-              <a:t>2017/6/16</a:t>
+              <a:t>2017/6/19</a:t>
             </a:fld>
             <a:endParaRPr lang="en-US" dirty="0"/>
           </a:p>
@@ -4376,7 +4377,7 @@
           <a:p>
             <a:fld id="{BB2C49C1-B7A8-3347-BC28-DBD621B48AED}" type="datetime1">
               <a:rPr lang="zh-CN" altLang="en-US" smtClean="0"/>
-              <a:t>2017/6/16</a:t>
+              <a:t>2017/6/19</a:t>
             </a:fld>
             <a:endParaRPr lang="en-US" dirty="0"/>
           </a:p>
@@ -4546,7 +4547,7 @@
           <a:p>
             <a:fld id="{9A6D07A6-027E-4A4E-9284-47331D88670A}" type="datetime1">
               <a:rPr lang="zh-CN" altLang="en-US" smtClean="0"/>
-              <a:t>2017/6/16</a:t>
+              <a:t>2017/6/19</a:t>
             </a:fld>
             <a:endParaRPr lang="en-US" dirty="0"/>
           </a:p>
@@ -4722,7 +4723,7 @@
           <a:p>
             <a:fld id="{1991BDDE-02A9-D444-968C-C1469283F3FA}" type="datetime1">
               <a:rPr lang="zh-CN" altLang="en-US" smtClean="0"/>
-              <a:t>2017/6/16</a:t>
+              <a:t>2017/6/19</a:t>
             </a:fld>
             <a:endParaRPr lang="en-US" dirty="0"/>
           </a:p>
@@ -4888,7 +4889,7 @@
           <a:p>
             <a:fld id="{B6E8D1D5-AA21-EA40-907E-9CE68F6709B0}" type="datetime1">
               <a:rPr lang="zh-CN" altLang="en-US" smtClean="0"/>
-              <a:t>2017/6/16</a:t>
+              <a:t>2017/6/19</a:t>
             </a:fld>
             <a:endParaRPr lang="en-US" dirty="0"/>
           </a:p>
@@ -5135,7 +5136,7 @@
           <a:p>
             <a:fld id="{92AFCAD8-8F33-0D4D-9343-51FC423D26AD}" type="datetime1">
               <a:rPr lang="zh-CN" altLang="en-US" smtClean="0"/>
-              <a:t>2017/6/16</a:t>
+              <a:t>2017/6/19</a:t>
             </a:fld>
             <a:endParaRPr lang="en-US" dirty="0"/>
           </a:p>
@@ -5428,7 +5429,7 @@
           <a:p>
             <a:fld id="{8602F823-7660-1B4A-8F63-10C28CBBBDDE}" type="datetime1">
               <a:rPr lang="zh-CN" altLang="en-US" smtClean="0"/>
-              <a:t>2017/6/16</a:t>
+              <a:t>2017/6/19</a:t>
             </a:fld>
             <a:endParaRPr lang="en-US" dirty="0"/>
           </a:p>
@@ -5866,7 +5867,7 @@
           <a:p>
             <a:fld id="{ADC64EDE-2567-654E-B700-EC9C8C00538F}" type="datetime1">
               <a:rPr lang="zh-CN" altLang="en-US" smtClean="0"/>
-              <a:t>2017/6/16</a:t>
+              <a:t>2017/6/19</a:t>
             </a:fld>
             <a:endParaRPr lang="en-US" dirty="0"/>
           </a:p>
@@ -5980,7 +5981,7 @@
           <a:p>
             <a:fld id="{64C98057-528D-5A4E-8ED6-121AB8DE4946}" type="datetime1">
               <a:rPr lang="zh-CN" altLang="en-US" smtClean="0"/>
-              <a:t>2017/6/16</a:t>
+              <a:t>2017/6/19</a:t>
             </a:fld>
             <a:endParaRPr lang="en-US" dirty="0"/>
           </a:p>
@@ -6071,7 +6072,7 @@
           <a:p>
             <a:fld id="{97E1B6F1-6D93-1D4A-BCFA-29966B4CEF6A}" type="datetime1">
               <a:rPr lang="zh-CN" altLang="en-US" smtClean="0"/>
-              <a:t>2017/6/16</a:t>
+              <a:t>2017/6/19</a:t>
             </a:fld>
             <a:endParaRPr lang="en-US" dirty="0"/>
           </a:p>
@@ -6350,7 +6351,7 @@
           <a:p>
             <a:fld id="{58BD6127-CCB2-6940-82FD-D3D9928E8C03}" type="datetime1">
               <a:rPr lang="zh-CN" altLang="en-US" smtClean="0"/>
-              <a:t>2017/6/16</a:t>
+              <a:t>2017/6/19</a:t>
             </a:fld>
             <a:endParaRPr lang="en-US" dirty="0"/>
           </a:p>
@@ -6637,7 +6638,7 @@
           <a:p>
             <a:fld id="{EA3E28EC-3258-B24C-8880-04573A3EC611}" type="datetime1">
               <a:rPr lang="zh-CN" altLang="en-US" smtClean="0"/>
-              <a:t>2017/6/16</a:t>
+              <a:t>2017/6/19</a:t>
             </a:fld>
             <a:endParaRPr lang="en-US" dirty="0"/>
           </a:p>
@@ -7163,7 +7164,7 @@
           <a:p>
             <a:fld id="{48304E4F-CC2F-2043-ACA9-51A614214B49}" type="datetime1">
               <a:rPr lang="zh-CN" altLang="en-US" smtClean="0"/>
-              <a:t>2017/6/16</a:t>
+              <a:t>2017/6/19</a:t>
             </a:fld>
             <a:endParaRPr lang="en-US" dirty="0"/>
           </a:p>
@@ -7845,7 +7846,7 @@
           <a:p>
             <a:fld id="{244AC145-097F-264C-B5FC-437258D1A251}" type="datetime1">
               <a:rPr lang="zh-CN" altLang="en-US" sz="2000" smtClean="0"/>
-              <a:t>2017/6/16</a:t>
+              <a:t>2017/6/19</a:t>
             </a:fld>
             <a:endParaRPr lang="en-US" sz="2000" dirty="0"/>
           </a:p>
@@ -7872,6 +7873,635 @@
 </file>
 
 <file path=ppt/slides/slide10.xml><?xml version="1.0" encoding="utf-8"?>
+<p:sld xmlns:a="http://schemas.openxmlformats.org/drawingml/2006/main" xmlns:r="http://schemas.openxmlformats.org/officeDocument/2006/relationships" xmlns:p="http://schemas.openxmlformats.org/presentationml/2006/main">
+  <p:cSld>
+    <p:spTree>
+      <p:nvGrpSpPr>
+        <p:cNvPr id="1" name=""/>
+        <p:cNvGrpSpPr/>
+        <p:nvPr/>
+      </p:nvGrpSpPr>
+      <p:grpSpPr>
+        <a:xfrm>
+          <a:off x="0" y="0"/>
+          <a:ext cx="0" cy="0"/>
+          <a:chOff x="0" y="0"/>
+          <a:chExt cx="0" cy="0"/>
+        </a:xfrm>
+      </p:grpSpPr>
+      <p:pic>
+        <p:nvPicPr>
+          <p:cNvPr id="5" name="图片 4"/>
+          <p:cNvPicPr>
+            <a:picLocks noChangeAspect="1"/>
+          </p:cNvPicPr>
+          <p:nvPr/>
+        </p:nvPicPr>
+        <p:blipFill>
+          <a:blip r:embed="rId2">
+            <a:clrChange>
+              <a:clrFrom>
+                <a:srgbClr val="FFFFFF"/>
+              </a:clrFrom>
+              <a:clrTo>
+                <a:srgbClr val="FFFFFF">
+                  <a:alpha val="0"/>
+                </a:srgbClr>
+              </a:clrTo>
+            </a:clrChange>
+            <a:extLst>
+              <a:ext uri="{28A0092B-C50C-407E-A947-70E740481C1C}">
+                <a14:useLocalDpi xmlns:a14="http://schemas.microsoft.com/office/drawing/2010/main" val="0"/>
+              </a:ext>
+            </a:extLst>
+          </a:blip>
+          <a:stretch>
+            <a:fillRect/>
+          </a:stretch>
+        </p:blipFill>
+        <p:spPr>
+          <a:xfrm>
+            <a:off x="8186739" y="39687"/>
+            <a:ext cx="2819400" cy="4279900"/>
+          </a:xfrm>
+          <a:prstGeom prst="rect">
+            <a:avLst/>
+          </a:prstGeom>
+        </p:spPr>
+      </p:pic>
+      <p:sp>
+        <p:nvSpPr>
+          <p:cNvPr id="7" name="框架 6"/>
+          <p:cNvSpPr/>
+          <p:nvPr/>
+        </p:nvSpPr>
+        <p:spPr>
+          <a:xfrm>
+            <a:off x="8673468" y="357187"/>
+            <a:ext cx="571500" cy="3414713"/>
+          </a:xfrm>
+          <a:prstGeom prst="frame">
+            <a:avLst/>
+          </a:prstGeom>
+        </p:spPr>
+        <p:style>
+          <a:lnRef idx="2">
+            <a:schemeClr val="accent1">
+              <a:shade val="50000"/>
+            </a:schemeClr>
+          </a:lnRef>
+          <a:fillRef idx="1">
+            <a:schemeClr val="accent1"/>
+          </a:fillRef>
+          <a:effectRef idx="0">
+            <a:schemeClr val="accent1"/>
+          </a:effectRef>
+          <a:fontRef idx="minor">
+            <a:schemeClr val="lt1"/>
+          </a:fontRef>
+        </p:style>
+        <p:txBody>
+          <a:bodyPr rtlCol="0" anchor="ctr"/>
+          <a:lstStyle/>
+          <a:p>
+            <a:pPr algn="ctr"/>
+            <a:endParaRPr lang="en-US">
+              <a:solidFill>
+                <a:schemeClr val="tx1"/>
+              </a:solidFill>
+            </a:endParaRPr>
+          </a:p>
+        </p:txBody>
+      </p:sp>
+      <p:graphicFrame>
+        <p:nvGraphicFramePr>
+          <p:cNvPr id="8" name="表格 7"/>
+          <p:cNvGraphicFramePr>
+            <a:graphicFrameLocks noGrp="1"/>
+          </p:cNvGraphicFramePr>
+          <p:nvPr>
+            <p:extLst>
+              <p:ext uri="{D42A27DB-BD31-4B8C-83A1-F6EECF244321}">
+                <p14:modId xmlns:p14="http://schemas.microsoft.com/office/powerpoint/2010/main" val="779903078"/>
+              </p:ext>
+            </p:extLst>
+          </p:nvPr>
+        </p:nvGraphicFramePr>
+        <p:xfrm>
+          <a:off x="2905719" y="3771900"/>
+          <a:ext cx="1756410" cy="1828549"/>
+        </p:xfrm>
+        <a:graphic>
+          <a:graphicData uri="http://schemas.openxmlformats.org/drawingml/2006/table">
+            <a:tbl>
+              <a:tblPr firstRow="1" bandRow="1">
+                <a:tableStyleId>{D7AC3CCA-C797-4891-BE02-D94E43425B78}</a:tableStyleId>
+              </a:tblPr>
+              <a:tblGrid>
+                <a:gridCol w="1756410"/>
+              </a:tblGrid>
+              <a:tr h="429514">
+                <a:tc>
+                  <a:txBody>
+                    <a:bodyPr/>
+                    <a:lstStyle/>
+                    <a:p>
+                      <a:pPr algn="ctr"/>
+                      <a:r>
+                        <a:rPr lang="en-US" b="0" dirty="0" smtClean="0"/>
+                        <a:t>cat</a:t>
+                      </a:r>
+                    </a:p>
+                  </a:txBody>
+                  <a:tcPr/>
+                </a:tc>
+              </a:tr>
+              <a:tr h="466345">
+                <a:tc>
+                  <a:txBody>
+                    <a:bodyPr/>
+                    <a:lstStyle/>
+                    <a:p>
+                      <a:pPr algn="ctr"/>
+                      <a:r>
+                        <a:rPr lang="en-US" dirty="0" smtClean="0"/>
+                        <a:t>is</a:t>
+                      </a:r>
+                      <a:endParaRPr lang="en-US" dirty="0"/>
+                    </a:p>
+                  </a:txBody>
+                  <a:tcPr/>
+                </a:tc>
+              </a:tr>
+              <a:tr h="466345">
+                <a:tc>
+                  <a:txBody>
+                    <a:bodyPr/>
+                    <a:lstStyle/>
+                    <a:p>
+                      <a:pPr algn="ctr"/>
+                      <a:r>
+                        <a:rPr lang="en-US" dirty="0" smtClean="0"/>
+                        <a:t>on</a:t>
+                      </a:r>
+                      <a:endParaRPr lang="en-US" dirty="0"/>
+                    </a:p>
+                  </a:txBody>
+                  <a:tcPr/>
+                </a:tc>
+              </a:tr>
+              <a:tr h="466345">
+                <a:tc>
+                  <a:txBody>
+                    <a:bodyPr/>
+                    <a:lstStyle/>
+                    <a:p>
+                      <a:pPr algn="ctr"/>
+                      <a:r>
+                        <a:rPr lang="en-US" dirty="0" smtClean="0"/>
+                        <a:t>sofa</a:t>
+                      </a:r>
+                      <a:endParaRPr lang="en-US" dirty="0"/>
+                    </a:p>
+                  </a:txBody>
+                  <a:tcPr/>
+                </a:tc>
+              </a:tr>
+            </a:tbl>
+          </a:graphicData>
+        </a:graphic>
+      </p:graphicFrame>
+      <p:graphicFrame>
+        <p:nvGraphicFramePr>
+          <p:cNvPr id="9" name="表格 8"/>
+          <p:cNvGraphicFramePr>
+            <a:graphicFrameLocks noGrp="1"/>
+          </p:cNvGraphicFramePr>
+          <p:nvPr>
+            <p:extLst>
+              <p:ext uri="{D42A27DB-BD31-4B8C-83A1-F6EECF244321}">
+                <p14:modId xmlns:p14="http://schemas.microsoft.com/office/powerpoint/2010/main" val="300681326"/>
+              </p:ext>
+            </p:extLst>
+          </p:nvPr>
+        </p:nvGraphicFramePr>
+        <p:xfrm>
+          <a:off x="8959218" y="4106862"/>
+          <a:ext cx="1756410" cy="1836236"/>
+        </p:xfrm>
+        <a:graphic>
+          <a:graphicData uri="http://schemas.openxmlformats.org/drawingml/2006/table">
+            <a:tbl>
+              <a:tblPr firstRow="1" bandRow="1">
+                <a:tableStyleId>{D7AC3CCA-C797-4891-BE02-D94E43425B78}</a:tableStyleId>
+              </a:tblPr>
+              <a:tblGrid>
+                <a:gridCol w="1756410"/>
+              </a:tblGrid>
+              <a:tr h="437201">
+                <a:tc>
+                  <a:txBody>
+                    <a:bodyPr/>
+                    <a:lstStyle/>
+                    <a:p>
+                      <a:pPr algn="ctr"/>
+                      <a:r>
+                        <a:rPr lang="en-US" dirty="0" smtClean="0">
+                          <a:solidFill>
+                            <a:srgbClr val="FF0000"/>
+                          </a:solidFill>
+                        </a:rPr>
+                        <a:t>sitting</a:t>
+                      </a:r>
+                      <a:endParaRPr lang="en-US" b="0" dirty="0" smtClean="0">
+                        <a:solidFill>
+                          <a:srgbClr val="FF0000"/>
+                        </a:solidFill>
+                      </a:endParaRPr>
+                    </a:p>
+                  </a:txBody>
+                  <a:tcPr/>
+                </a:tc>
+              </a:tr>
+              <a:tr h="466345">
+                <a:tc>
+                  <a:txBody>
+                    <a:bodyPr/>
+                    <a:lstStyle/>
+                    <a:p>
+                      <a:pPr algn="ctr"/>
+                      <a:r>
+                        <a:rPr lang="en-US" dirty="0" smtClean="0"/>
+                        <a:t>dog</a:t>
+                      </a:r>
+                      <a:endParaRPr lang="en-US" dirty="0"/>
+                    </a:p>
+                  </a:txBody>
+                  <a:tcPr/>
+                </a:tc>
+              </a:tr>
+              <a:tr h="466345">
+                <a:tc>
+                  <a:txBody>
+                    <a:bodyPr/>
+                    <a:lstStyle/>
+                    <a:p>
+                      <a:pPr algn="ctr"/>
+                      <a:r>
+                        <a:rPr lang="en-US" dirty="0" smtClean="0"/>
+                        <a:t>pencil</a:t>
+                      </a:r>
+                      <a:endParaRPr lang="en-US" dirty="0"/>
+                    </a:p>
+                  </a:txBody>
+                  <a:tcPr/>
+                </a:tc>
+              </a:tr>
+              <a:tr h="466345">
+                <a:tc>
+                  <a:txBody>
+                    <a:bodyPr/>
+                    <a:lstStyle/>
+                    <a:p>
+                      <a:pPr algn="ctr"/>
+                      <a:r>
+                        <a:rPr lang="en-US" dirty="0" smtClean="0"/>
+                        <a:t>man</a:t>
+                      </a:r>
+                    </a:p>
+                  </a:txBody>
+                  <a:tcPr/>
+                </a:tc>
+              </a:tr>
+            </a:tbl>
+          </a:graphicData>
+        </a:graphic>
+      </p:graphicFrame>
+      <p:sp>
+        <p:nvSpPr>
+          <p:cNvPr id="10" name="文本框 9"/>
+          <p:cNvSpPr txBox="1"/>
+          <p:nvPr/>
+        </p:nvSpPr>
+        <p:spPr>
+          <a:xfrm>
+            <a:off x="1524698" y="1558410"/>
+            <a:ext cx="479618" cy="369332"/>
+          </a:xfrm>
+          <a:prstGeom prst="rect">
+            <a:avLst/>
+          </a:prstGeom>
+          <a:noFill/>
+        </p:spPr>
+        <p:txBody>
+          <a:bodyPr wrap="none" rtlCol="0">
+            <a:spAutoFit/>
+          </a:bodyPr>
+          <a:lstStyle/>
+          <a:p>
+            <a:r>
+              <a:rPr lang="en-US" dirty="0" smtClean="0"/>
+              <a:t>cat</a:t>
+            </a:r>
+            <a:endParaRPr lang="en-US" dirty="0"/>
+          </a:p>
+        </p:txBody>
+      </p:sp>
+      <p:sp>
+        <p:nvSpPr>
+          <p:cNvPr id="11" name="文本框 10"/>
+          <p:cNvSpPr txBox="1"/>
+          <p:nvPr/>
+        </p:nvSpPr>
+        <p:spPr>
+          <a:xfrm>
+            <a:off x="8503003" y="0"/>
+            <a:ext cx="787395" cy="369332"/>
+          </a:xfrm>
+          <a:prstGeom prst="rect">
+            <a:avLst/>
+          </a:prstGeom>
+          <a:noFill/>
+        </p:spPr>
+        <p:txBody>
+          <a:bodyPr wrap="none" rtlCol="0">
+            <a:spAutoFit/>
+          </a:bodyPr>
+          <a:lstStyle/>
+          <a:p>
+            <a:r>
+              <a:rPr lang="en-US" smtClean="0">
+                <a:solidFill>
+                  <a:srgbClr val="FF0000"/>
+                </a:solidFill>
+              </a:rPr>
+              <a:t>sitting</a:t>
+            </a:r>
+            <a:endParaRPr lang="en-US" dirty="0">
+              <a:solidFill>
+                <a:srgbClr val="FF0000"/>
+              </a:solidFill>
+            </a:endParaRPr>
+          </a:p>
+        </p:txBody>
+      </p:sp>
+      <mc:AlternateContent xmlns:mc="http://schemas.openxmlformats.org/markup-compatibility/2006" xmlns:a14="http://schemas.microsoft.com/office/drawing/2010/main">
+        <mc:Choice Requires="a14">
+          <p:sp>
+            <p:nvSpPr>
+              <p:cNvPr id="12" name="文本框 11"/>
+              <p:cNvSpPr txBox="1"/>
+              <p:nvPr/>
+            </p:nvSpPr>
+            <p:spPr>
+              <a:xfrm>
+                <a:off x="3486150" y="959002"/>
+                <a:ext cx="595548" cy="369332"/>
+              </a:xfrm>
+              <a:prstGeom prst="rect">
+                <a:avLst/>
+              </a:prstGeom>
+              <a:noFill/>
+            </p:spPr>
+            <p:txBody>
+              <a:bodyPr wrap="none" rtlCol="0">
+                <a:spAutoFit/>
+              </a:bodyPr>
+              <a:lstStyle/>
+              <a:p>
+                <a:pPr/>
+                <a14:m>
+                  <m:oMathPara xmlns:m="http://schemas.openxmlformats.org/officeDocument/2006/math">
+                    <m:oMathParaPr>
+                      <m:jc m:val="centerGroup"/>
+                    </m:oMathParaPr>
+                    <m:oMath xmlns:m="http://schemas.openxmlformats.org/officeDocument/2006/math">
+                      <m:sSub>
+                        <m:sSubPr>
+                          <m:ctrlPr>
+                            <a:rPr lang="en-US" altLang="zh-CN" i="1">
+                              <a:latin typeface="Cambria Math" charset="0"/>
+                            </a:rPr>
+                          </m:ctrlPr>
+                        </m:sSubPr>
+                        <m:e>
+                          <m:r>
+                            <a:rPr lang="en-US" altLang="zh-CN" i="1">
+                              <a:latin typeface="Cambria Math" charset="0"/>
+                            </a:rPr>
+                            <m:t>𝑀</m:t>
+                          </m:r>
+                        </m:e>
+                        <m:sub>
+                          <m:r>
+                            <a:rPr lang="en-US" altLang="zh-CN" i="1">
+                              <a:latin typeface="Cambria Math" charset="0"/>
+                            </a:rPr>
+                            <m:t>𝑖𝑛</m:t>
+                          </m:r>
+                        </m:sub>
+                      </m:sSub>
+                    </m:oMath>
+                  </m:oMathPara>
+                </a14:m>
+                <a:endParaRPr lang="en-US" dirty="0"/>
+              </a:p>
+            </p:txBody>
+          </p:sp>
+        </mc:Choice>
+        <mc:Fallback xmlns="">
+          <p:sp>
+            <p:nvSpPr>
+              <p:cNvPr id="12" name="文本框 11"/>
+              <p:cNvSpPr txBox="1">
+                <a:spLocks noRot="1" noChangeAspect="1" noMove="1" noResize="1" noEditPoints="1" noAdjustHandles="1" noChangeArrowheads="1" noChangeShapeType="1" noTextEdit="1"/>
+              </p:cNvSpPr>
+              <p:nvPr/>
+            </p:nvSpPr>
+            <p:spPr>
+              <a:xfrm>
+                <a:off x="3486150" y="959002"/>
+                <a:ext cx="595548" cy="369332"/>
+              </a:xfrm>
+              <a:prstGeom prst="rect">
+                <a:avLst/>
+              </a:prstGeom>
+              <a:blipFill rotWithShape="0">
+                <a:blip r:embed="rId4"/>
+                <a:stretch>
+                  <a:fillRect/>
+                </a:stretch>
+              </a:blipFill>
+            </p:spPr>
+            <p:txBody>
+              <a:bodyPr/>
+              <a:lstStyle/>
+              <a:p>
+                <a:r>
+                  <a:rPr lang="en-US">
+                    <a:noFill/>
+                  </a:rPr>
+                  <a:t> </a:t>
+                </a:r>
+              </a:p>
+            </p:txBody>
+          </p:sp>
+        </mc:Fallback>
+      </mc:AlternateContent>
+      <mc:AlternateContent xmlns:mc="http://schemas.openxmlformats.org/markup-compatibility/2006" xmlns:a14="http://schemas.microsoft.com/office/drawing/2010/main">
+        <mc:Choice Requires="a14">
+          <p:sp>
+            <p:nvSpPr>
+              <p:cNvPr id="13" name="文本框 12"/>
+              <p:cNvSpPr txBox="1"/>
+              <p:nvPr/>
+            </p:nvSpPr>
+            <p:spPr>
+              <a:xfrm>
+                <a:off x="11176604" y="1758434"/>
+                <a:ext cx="710964" cy="369332"/>
+              </a:xfrm>
+              <a:prstGeom prst="rect">
+                <a:avLst/>
+              </a:prstGeom>
+              <a:noFill/>
+            </p:spPr>
+            <p:txBody>
+              <a:bodyPr wrap="none" rtlCol="0">
+                <a:spAutoFit/>
+              </a:bodyPr>
+              <a:lstStyle/>
+              <a:p>
+                <a:pPr/>
+                <a14:m>
+                  <m:oMathPara xmlns:m="http://schemas.openxmlformats.org/officeDocument/2006/math">
+                    <m:oMathParaPr>
+                      <m:jc m:val="centerGroup"/>
+                    </m:oMathParaPr>
+                    <m:oMath xmlns:m="http://schemas.openxmlformats.org/officeDocument/2006/math">
+                      <m:sSub>
+                        <m:sSubPr>
+                          <m:ctrlPr>
+                            <a:rPr lang="en-US" altLang="zh-CN" i="1">
+                              <a:latin typeface="Cambria Math" charset="0"/>
+                            </a:rPr>
+                          </m:ctrlPr>
+                        </m:sSubPr>
+                        <m:e>
+                          <m:r>
+                            <a:rPr lang="en-US" altLang="zh-CN" i="1">
+                              <a:latin typeface="Cambria Math" charset="0"/>
+                            </a:rPr>
+                            <m:t>𝑀</m:t>
+                          </m:r>
+                        </m:e>
+                        <m:sub>
+                          <m:r>
+                            <a:rPr lang="en-US" altLang="zh-CN" i="1">
+                              <a:latin typeface="Cambria Math" charset="0"/>
+                            </a:rPr>
+                            <m:t>𝑜𝑢𝑡</m:t>
+                          </m:r>
+                        </m:sub>
+                      </m:sSub>
+                    </m:oMath>
+                  </m:oMathPara>
+                </a14:m>
+                <a:endParaRPr lang="en-US" dirty="0"/>
+              </a:p>
+            </p:txBody>
+          </p:sp>
+        </mc:Choice>
+        <mc:Fallback xmlns="">
+          <p:sp>
+            <p:nvSpPr>
+              <p:cNvPr id="13" name="文本框 12"/>
+              <p:cNvSpPr txBox="1">
+                <a:spLocks noRot="1" noChangeAspect="1" noMove="1" noResize="1" noEditPoints="1" noAdjustHandles="1" noChangeArrowheads="1" noChangeShapeType="1" noTextEdit="1"/>
+              </p:cNvSpPr>
+              <p:nvPr/>
+            </p:nvSpPr>
+            <p:spPr>
+              <a:xfrm>
+                <a:off x="11176604" y="1758434"/>
+                <a:ext cx="710964" cy="369332"/>
+              </a:xfrm>
+              <a:prstGeom prst="rect">
+                <a:avLst/>
+              </a:prstGeom>
+              <a:blipFill rotWithShape="0">
+                <a:blip r:embed="rId5"/>
+                <a:stretch>
+                  <a:fillRect/>
+                </a:stretch>
+              </a:blipFill>
+            </p:spPr>
+            <p:txBody>
+              <a:bodyPr/>
+              <a:lstStyle/>
+              <a:p>
+                <a:r>
+                  <a:rPr lang="en-US">
+                    <a:noFill/>
+                  </a:rPr>
+                  <a:t> </a:t>
+                </a:r>
+              </a:p>
+            </p:txBody>
+          </p:sp>
+        </mc:Fallback>
+      </mc:AlternateContent>
+      <p:pic>
+        <p:nvPicPr>
+          <p:cNvPr id="2" name="图片 1"/>
+          <p:cNvPicPr>
+            <a:picLocks noChangeAspect="1"/>
+          </p:cNvPicPr>
+          <p:nvPr/>
+        </p:nvPicPr>
+        <p:blipFill>
+          <a:blip r:embed="rId6">
+            <a:extLst>
+              <a:ext uri="{28A0092B-C50C-407E-A947-70E740481C1C}">
+                <a14:useLocalDpi xmlns:a14="http://schemas.microsoft.com/office/drawing/2010/main" val="0"/>
+              </a:ext>
+            </a:extLst>
+          </a:blip>
+          <a:stretch>
+            <a:fillRect/>
+          </a:stretch>
+        </p:blipFill>
+        <p:spPr>
+          <a:xfrm>
+            <a:off x="2174781" y="1404937"/>
+            <a:ext cx="4711442" cy="2009776"/>
+          </a:xfrm>
+          <a:prstGeom prst="rect">
+            <a:avLst/>
+          </a:prstGeom>
+        </p:spPr>
+      </p:pic>
+    </p:spTree>
+    <p:extLst>
+      <p:ext uri="{BB962C8B-B14F-4D97-AF65-F5344CB8AC3E}">
+        <p14:creationId xmlns:p14="http://schemas.microsoft.com/office/powerpoint/2010/main" val="2007595122"/>
+      </p:ext>
+    </p:extLst>
+  </p:cSld>
+  <p:clrMapOvr>
+    <a:masterClrMapping/>
+  </p:clrMapOvr>
+  <p:timing>
+    <p:tnLst>
+      <p:par>
+        <p:cTn id="1" dur="indefinite" restart="never" nodeType="tmRoot"/>
+      </p:par>
+    </p:tnLst>
+  </p:timing>
+</p:sld>
+</file>
+
+<file path=ppt/slides/slide11.xml><?xml version="1.0" encoding="utf-8"?>
 <p:sld xmlns:a="http://schemas.openxmlformats.org/drawingml/2006/main" xmlns:r="http://schemas.openxmlformats.org/officeDocument/2006/relationships" xmlns:p="http://schemas.openxmlformats.org/presentationml/2006/main">
   <p:cSld>
     <p:spTree>
@@ -8104,191 +8734,6 @@
 </p:sld>
 </file>
 
-<file path=ppt/slides/slide11.xml><?xml version="1.0" encoding="utf-8"?>
-<p:sld xmlns:a="http://schemas.openxmlformats.org/drawingml/2006/main" xmlns:r="http://schemas.openxmlformats.org/officeDocument/2006/relationships" xmlns:p="http://schemas.openxmlformats.org/presentationml/2006/main">
-  <p:cSld>
-    <p:spTree>
-      <p:nvGrpSpPr>
-        <p:cNvPr id="1" name=""/>
-        <p:cNvGrpSpPr/>
-        <p:nvPr/>
-      </p:nvGrpSpPr>
-      <p:grpSpPr>
-        <a:xfrm>
-          <a:off x="0" y="0"/>
-          <a:ext cx="0" cy="0"/>
-          <a:chOff x="0" y="0"/>
-          <a:chExt cx="0" cy="0"/>
-        </a:xfrm>
-      </p:grpSpPr>
-      <p:sp>
-        <p:nvSpPr>
-          <p:cNvPr id="2" name="标题 1"/>
-          <p:cNvSpPr>
-            <a:spLocks noGrp="1"/>
-          </p:cNvSpPr>
-          <p:nvPr>
-            <p:ph type="title"/>
-          </p:nvPr>
-        </p:nvSpPr>
-        <p:spPr>
-          <a:xfrm>
-            <a:off x="5599111" y="-320040"/>
-            <a:ext cx="10018713" cy="1752599"/>
-          </a:xfrm>
-        </p:spPr>
-        <p:txBody>
-          <a:bodyPr/>
-          <a:lstStyle/>
-          <a:p>
-            <a:r>
-              <a:rPr lang="en-US" dirty="0" smtClean="0">
-                <a:solidFill>
-                  <a:srgbClr val="0070C0"/>
-                </a:solidFill>
-              </a:rPr>
-              <a:t>Thread Work</a:t>
-            </a:r>
-            <a:endParaRPr lang="en-US" dirty="0">
-              <a:solidFill>
-                <a:srgbClr val="0070C0"/>
-              </a:solidFill>
-            </a:endParaRPr>
-          </a:p>
-        </p:txBody>
-      </p:sp>
-      <p:sp>
-        <p:nvSpPr>
-          <p:cNvPr id="4" name="文本框 3"/>
-          <p:cNvSpPr txBox="1"/>
-          <p:nvPr/>
-        </p:nvSpPr>
-        <p:spPr>
-          <a:xfrm>
-            <a:off x="2103120" y="1609344"/>
-            <a:ext cx="7261924" cy="4401205"/>
-          </a:xfrm>
-          <a:prstGeom prst="rect">
-            <a:avLst/>
-          </a:prstGeom>
-          <a:noFill/>
-        </p:spPr>
-        <p:txBody>
-          <a:bodyPr wrap="none" rtlCol="0">
-            <a:spAutoFit/>
-          </a:bodyPr>
-          <a:lstStyle/>
-          <a:p>
-            <a:pPr marL="457200" indent="-457200">
-              <a:buFont typeface="Wingdings" charset="2"/>
-              <a:buChar char="Ø"/>
-            </a:pPr>
-            <a:r>
-              <a:rPr lang="en-US" sz="2800" dirty="0" smtClean="0"/>
-              <a:t>Take different file portion</a:t>
-            </a:r>
-          </a:p>
-          <a:p>
-            <a:pPr marL="457200" indent="-457200">
-              <a:buFont typeface="Wingdings" charset="2"/>
-              <a:buChar char="Ø"/>
-            </a:pPr>
-            <a:endParaRPr lang="en-US" sz="2800" dirty="0" smtClean="0"/>
-          </a:p>
-          <a:p>
-            <a:pPr marL="457200" indent="-457200">
-              <a:buFont typeface="Wingdings" charset="2"/>
-              <a:buChar char="Ø"/>
-            </a:pPr>
-            <a:r>
-              <a:rPr lang="en-US" sz="2800" dirty="0"/>
-              <a:t>L</a:t>
-            </a:r>
-            <a:r>
-              <a:rPr lang="en-US" sz="2800" dirty="0" smtClean="0"/>
-              <a:t>oad sentences from file</a:t>
-            </a:r>
-          </a:p>
-          <a:p>
-            <a:pPr marL="457200" indent="-457200">
-              <a:buFont typeface="Wingdings" charset="2"/>
-              <a:buChar char="Ø"/>
-            </a:pPr>
-            <a:endParaRPr lang="en-US" sz="2800" dirty="0" smtClean="0"/>
-          </a:p>
-          <a:p>
-            <a:pPr marL="457200" indent="-457200">
-              <a:buFont typeface="Wingdings" charset="2"/>
-              <a:buChar char="Ø"/>
-            </a:pPr>
-            <a:r>
-              <a:rPr lang="en-US" sz="2800" dirty="0" smtClean="0"/>
-              <a:t>Construct words training pair and mini-batch</a:t>
-            </a:r>
-          </a:p>
-          <a:p>
-            <a:pPr marL="457200" indent="-457200">
-              <a:buFont typeface="Wingdings" charset="2"/>
-              <a:buChar char="Ø"/>
-            </a:pPr>
-            <a:endParaRPr lang="en-US" sz="2800" dirty="0" smtClean="0"/>
-          </a:p>
-          <a:p>
-            <a:pPr marL="457200" indent="-457200">
-              <a:buFont typeface="Wingdings" charset="2"/>
-              <a:buChar char="Ø"/>
-            </a:pPr>
-            <a:r>
-              <a:rPr lang="en-US" sz="2800" dirty="0" smtClean="0"/>
-              <a:t>Perform training</a:t>
-            </a:r>
-          </a:p>
-          <a:p>
-            <a:pPr marL="457200" indent="-457200">
-              <a:buFont typeface="Wingdings" charset="2"/>
-              <a:buChar char="Ø"/>
-            </a:pPr>
-            <a:endParaRPr lang="en-US" sz="2800" dirty="0" smtClean="0"/>
-          </a:p>
-          <a:p>
-            <a:pPr marL="457200" indent="-457200">
-              <a:buFont typeface="Wingdings" charset="2"/>
-              <a:buChar char="Ø"/>
-            </a:pPr>
-            <a:r>
-              <a:rPr lang="en-US" sz="2800" dirty="0" smtClean="0"/>
-              <a:t>Update weight matrix</a:t>
-            </a:r>
-          </a:p>
-          <a:p>
-            <a:pPr marL="457200" indent="-457200">
-              <a:buFont typeface="Wingdings" charset="2"/>
-              <a:buChar char="Ø"/>
-            </a:pPr>
-            <a:endParaRPr lang="en-US" sz="2800" dirty="0"/>
-          </a:p>
-        </p:txBody>
-      </p:sp>
-    </p:spTree>
-    <p:extLst>
-      <p:ext uri="{BB962C8B-B14F-4D97-AF65-F5344CB8AC3E}">
-        <p14:creationId xmlns:p14="http://schemas.microsoft.com/office/powerpoint/2010/main" val="1157400541"/>
-      </p:ext>
-    </p:extLst>
-  </p:cSld>
-  <p:clrMapOvr>
-    <a:masterClrMapping/>
-  </p:clrMapOvr>
-  <p:timing>
-    <p:tnLst>
-      <p:par>
-        <p:cTn id="1" dur="indefinite" restart="never" nodeType="tmRoot"/>
-      </p:par>
-    </p:tnLst>
-  </p:timing>
-</p:sld>
-</file>
-
 <file path=ppt/slides/slide12.xml><?xml version="1.0" encoding="utf-8"?>
 <p:sld xmlns:a="http://schemas.openxmlformats.org/drawingml/2006/main" xmlns:r="http://schemas.openxmlformats.org/officeDocument/2006/relationships" xmlns:p="http://schemas.openxmlformats.org/presentationml/2006/main">
   <p:cSld>
@@ -8318,7 +8763,7 @@
         </p:nvSpPr>
         <p:spPr>
           <a:xfrm>
-            <a:off x="5562535" y="-393192"/>
+            <a:off x="5599111" y="-320040"/>
             <a:ext cx="10018713" cy="1752599"/>
           </a:xfrm>
         </p:spPr>
@@ -8332,7 +8777,7 @@
                   <a:srgbClr val="0070C0"/>
                 </a:solidFill>
               </a:rPr>
-              <a:t>Performance</a:t>
+              <a:t>Thread Work</a:t>
             </a:r>
             <a:endParaRPr lang="en-US" dirty="0">
               <a:solidFill>
@@ -8342,35 +8787,123 @@
           </a:p>
         </p:txBody>
       </p:sp>
-      <p:graphicFrame>
-        <p:nvGraphicFramePr>
-          <p:cNvPr id="4" name="内容占位符 3"/>
-          <p:cNvGraphicFramePr>
-            <a:graphicFrameLocks noGrp="1"/>
-          </p:cNvGraphicFramePr>
-          <p:nvPr>
-            <p:ph idx="1"/>
-            <p:extLst>
-              <p:ext uri="{D42A27DB-BD31-4B8C-83A1-F6EECF244321}">
-                <p14:modId xmlns:p14="http://schemas.microsoft.com/office/powerpoint/2010/main" val="1529892613"/>
-              </p:ext>
-            </p:extLst>
-          </p:nvPr>
-        </p:nvGraphicFramePr>
-        <p:xfrm>
-          <a:off x="1463040" y="822960"/>
-          <a:ext cx="10058273" cy="5449824"/>
-        </p:xfrm>
-        <a:graphic>
-          <a:graphicData uri="http://schemas.openxmlformats.org/drawingml/2006/chart">
-            <c:chart xmlns:c="http://schemas.openxmlformats.org/drawingml/2006/chart" xmlns:r="http://schemas.openxmlformats.org/officeDocument/2006/relationships" r:id="rId2"/>
-          </a:graphicData>
-        </a:graphic>
-      </p:graphicFrame>
+      <p:sp>
+        <p:nvSpPr>
+          <p:cNvPr id="4" name="文本框 3"/>
+          <p:cNvSpPr txBox="1"/>
+          <p:nvPr/>
+        </p:nvSpPr>
+        <p:spPr>
+          <a:xfrm>
+            <a:off x="2103120" y="1609344"/>
+            <a:ext cx="7261924" cy="4401205"/>
+          </a:xfrm>
+          <a:prstGeom prst="rect">
+            <a:avLst/>
+          </a:prstGeom>
+          <a:noFill/>
+        </p:spPr>
+        <p:txBody>
+          <a:bodyPr wrap="none" rtlCol="0">
+            <a:spAutoFit/>
+          </a:bodyPr>
+          <a:lstStyle/>
+          <a:p>
+            <a:pPr marL="457200" indent="-457200">
+              <a:buFont typeface="Wingdings" charset="2"/>
+              <a:buChar char="Ø"/>
+            </a:pPr>
+            <a:r>
+              <a:rPr lang="en-US" sz="2800" dirty="0" smtClean="0"/>
+              <a:t>Take different file portion</a:t>
+            </a:r>
+          </a:p>
+          <a:p>
+            <a:pPr marL="457200" indent="-457200">
+              <a:buFont typeface="Wingdings" charset="2"/>
+              <a:buChar char="Ø"/>
+            </a:pPr>
+            <a:endParaRPr lang="en-US" sz="2800" dirty="0" smtClean="0"/>
+          </a:p>
+          <a:p>
+            <a:pPr marL="457200" indent="-457200">
+              <a:buFont typeface="Wingdings" charset="2"/>
+              <a:buChar char="Ø"/>
+            </a:pPr>
+            <a:r>
+              <a:rPr lang="en-US" sz="2800" dirty="0"/>
+              <a:t>L</a:t>
+            </a:r>
+            <a:r>
+              <a:rPr lang="en-US" sz="2800" dirty="0" smtClean="0"/>
+              <a:t>oad sentences from file</a:t>
+            </a:r>
+          </a:p>
+          <a:p>
+            <a:pPr marL="457200" indent="-457200">
+              <a:buFont typeface="Wingdings" charset="2"/>
+              <a:buChar char="Ø"/>
+            </a:pPr>
+            <a:endParaRPr lang="en-US" sz="2800" dirty="0" smtClean="0"/>
+          </a:p>
+          <a:p>
+            <a:pPr marL="457200" indent="-457200">
+              <a:buFont typeface="Wingdings" charset="2"/>
+              <a:buChar char="Ø"/>
+            </a:pPr>
+            <a:r>
+              <a:rPr lang="en-US" sz="2800" dirty="0" smtClean="0"/>
+              <a:t>Construct words training pair and mini-batch</a:t>
+            </a:r>
+          </a:p>
+          <a:p>
+            <a:pPr marL="457200" indent="-457200">
+              <a:buFont typeface="Wingdings" charset="2"/>
+              <a:buChar char="Ø"/>
+            </a:pPr>
+            <a:endParaRPr lang="en-US" sz="2800" dirty="0" smtClean="0"/>
+          </a:p>
+          <a:p>
+            <a:pPr marL="457200" indent="-457200">
+              <a:buFont typeface="Wingdings" charset="2"/>
+              <a:buChar char="Ø"/>
+            </a:pPr>
+            <a:r>
+              <a:rPr lang="en-US" sz="2800" dirty="0" smtClean="0"/>
+              <a:t>Calculate error</a:t>
+            </a:r>
+            <a:endParaRPr lang="en-US" sz="2800" dirty="0" smtClean="0"/>
+          </a:p>
+          <a:p>
+            <a:pPr marL="457200" indent="-457200">
+              <a:buFont typeface="Wingdings" charset="2"/>
+              <a:buChar char="Ø"/>
+            </a:pPr>
+            <a:endParaRPr lang="en-US" sz="2800" dirty="0" smtClean="0"/>
+          </a:p>
+          <a:p>
+            <a:pPr marL="457200" indent="-457200">
+              <a:buFont typeface="Wingdings" charset="2"/>
+              <a:buChar char="Ø"/>
+            </a:pPr>
+            <a:r>
+              <a:rPr lang="en-US" sz="2800" dirty="0" smtClean="0"/>
+              <a:t>Update weight matrix</a:t>
+            </a:r>
+          </a:p>
+          <a:p>
+            <a:pPr marL="457200" indent="-457200">
+              <a:buFont typeface="Wingdings" charset="2"/>
+              <a:buChar char="Ø"/>
+            </a:pPr>
+            <a:endParaRPr lang="en-US" sz="2800" dirty="0"/>
+          </a:p>
+        </p:txBody>
+      </p:sp>
     </p:spTree>
     <p:extLst>
       <p:ext uri="{BB962C8B-B14F-4D97-AF65-F5344CB8AC3E}">
-        <p14:creationId xmlns:p14="http://schemas.microsoft.com/office/powerpoint/2010/main" val="1117031759"/>
+        <p14:creationId xmlns:p14="http://schemas.microsoft.com/office/powerpoint/2010/main" val="1157400541"/>
       </p:ext>
     </p:extLst>
   </p:cSld>
@@ -8416,6 +8949,104 @@
         </p:nvSpPr>
         <p:spPr>
           <a:xfrm>
+            <a:off x="5562535" y="-393192"/>
+            <a:ext cx="10018713" cy="1752599"/>
+          </a:xfrm>
+        </p:spPr>
+        <p:txBody>
+          <a:bodyPr/>
+          <a:lstStyle/>
+          <a:p>
+            <a:r>
+              <a:rPr lang="en-US" dirty="0" smtClean="0">
+                <a:solidFill>
+                  <a:srgbClr val="0070C0"/>
+                </a:solidFill>
+              </a:rPr>
+              <a:t>Performance</a:t>
+            </a:r>
+            <a:endParaRPr lang="en-US" dirty="0">
+              <a:solidFill>
+                <a:srgbClr val="0070C0"/>
+              </a:solidFill>
+            </a:endParaRPr>
+          </a:p>
+        </p:txBody>
+      </p:sp>
+      <p:graphicFrame>
+        <p:nvGraphicFramePr>
+          <p:cNvPr id="4" name="内容占位符 3"/>
+          <p:cNvGraphicFramePr>
+            <a:graphicFrameLocks noGrp="1"/>
+          </p:cNvGraphicFramePr>
+          <p:nvPr>
+            <p:ph idx="1"/>
+            <p:extLst>
+              <p:ext uri="{D42A27DB-BD31-4B8C-83A1-F6EECF244321}">
+                <p14:modId xmlns:p14="http://schemas.microsoft.com/office/powerpoint/2010/main" val="1529892613"/>
+              </p:ext>
+            </p:extLst>
+          </p:nvPr>
+        </p:nvGraphicFramePr>
+        <p:xfrm>
+          <a:off x="1463040" y="822960"/>
+          <a:ext cx="10058273" cy="5449824"/>
+        </p:xfrm>
+        <a:graphic>
+          <a:graphicData uri="http://schemas.openxmlformats.org/drawingml/2006/chart">
+            <c:chart xmlns:c="http://schemas.openxmlformats.org/drawingml/2006/chart" xmlns:r="http://schemas.openxmlformats.org/officeDocument/2006/relationships" r:id="rId2"/>
+          </a:graphicData>
+        </a:graphic>
+      </p:graphicFrame>
+    </p:spTree>
+    <p:extLst>
+      <p:ext uri="{BB962C8B-B14F-4D97-AF65-F5344CB8AC3E}">
+        <p14:creationId xmlns:p14="http://schemas.microsoft.com/office/powerpoint/2010/main" val="1117031759"/>
+      </p:ext>
+    </p:extLst>
+  </p:cSld>
+  <p:clrMapOvr>
+    <a:masterClrMapping/>
+  </p:clrMapOvr>
+  <p:timing>
+    <p:tnLst>
+      <p:par>
+        <p:cTn id="1" dur="indefinite" restart="never" nodeType="tmRoot"/>
+      </p:par>
+    </p:tnLst>
+  </p:timing>
+</p:sld>
+</file>
+
+<file path=ppt/slides/slide14.xml><?xml version="1.0" encoding="utf-8"?>
+<p:sld xmlns:a="http://schemas.openxmlformats.org/drawingml/2006/main" xmlns:r="http://schemas.openxmlformats.org/officeDocument/2006/relationships" xmlns:p="http://schemas.openxmlformats.org/presentationml/2006/main">
+  <p:cSld>
+    <p:spTree>
+      <p:nvGrpSpPr>
+        <p:cNvPr id="1" name=""/>
+        <p:cNvGrpSpPr/>
+        <p:nvPr/>
+      </p:nvGrpSpPr>
+      <p:grpSpPr>
+        <a:xfrm>
+          <a:off x="0" y="0"/>
+          <a:ext cx="0" cy="0"/>
+          <a:chOff x="0" y="0"/>
+          <a:chExt cx="0" cy="0"/>
+        </a:xfrm>
+      </p:grpSpPr>
+      <p:sp>
+        <p:nvSpPr>
+          <p:cNvPr id="2" name="标题 1"/>
+          <p:cNvSpPr>
+            <a:spLocks noGrp="1"/>
+          </p:cNvSpPr>
+          <p:nvPr>
+            <p:ph type="title"/>
+          </p:nvPr>
+        </p:nvSpPr>
+        <p:spPr>
+          <a:xfrm>
             <a:off x="1484311" y="2551176"/>
             <a:ext cx="10018713" cy="1752599"/>
           </a:xfrm>
@@ -8462,7 +9093,7 @@
 </p:sld>
 </file>
 
-<file path=ppt/slides/slide14.xml><?xml version="1.0" encoding="utf-8"?>
+<file path=ppt/slides/slide15.xml><?xml version="1.0" encoding="utf-8"?>
 <p:sld xmlns:a="http://schemas.openxmlformats.org/drawingml/2006/main" xmlns:r="http://schemas.openxmlformats.org/officeDocument/2006/relationships" xmlns:p="http://schemas.openxmlformats.org/presentationml/2006/main">
   <p:cSld>
     <p:spTree>
@@ -9394,6 +10025,235 @@
           <a:chExt cx="0" cy="0"/>
         </a:xfrm>
       </p:grpSpPr>
+      <mc:AlternateContent xmlns:mc="http://schemas.openxmlformats.org/markup-compatibility/2006">
+        <mc:Choice xmlns:a14="http://schemas.microsoft.com/office/drawing/2010/main" Requires="a14">
+          <p:sp>
+            <p:nvSpPr>
+              <p:cNvPr id="2" name="标题 1"/>
+              <p:cNvSpPr>
+                <a:spLocks noGrp="1"/>
+              </p:cNvSpPr>
+              <p:nvPr>
+                <p:ph type="title"/>
+              </p:nvPr>
+            </p:nvSpPr>
+            <p:spPr>
+              <a:xfrm>
+                <a:off x="6256336" y="-442913"/>
+                <a:ext cx="10018713" cy="1752599"/>
+              </a:xfrm>
+            </p:spPr>
+            <p:txBody>
+              <a:bodyPr/>
+              <a:lstStyle/>
+              <a:p>
+                <a14:m>
+                  <m:oMathPara xmlns:m="http://schemas.openxmlformats.org/officeDocument/2006/math">
+                    <m:oMathParaPr>
+                      <m:jc m:val="centerGroup"/>
+                    </m:oMathParaPr>
+                    <m:oMath xmlns:m="http://schemas.openxmlformats.org/officeDocument/2006/math">
+                      <m:sSub>
+                        <m:sSubPr>
+                          <m:ctrlPr>
+                            <a:rPr lang="en-US" altLang="zh-CN" i="1" smtClean="0">
+                              <a:solidFill>
+                                <a:srgbClr val="0070C0"/>
+                              </a:solidFill>
+                              <a:latin typeface="Cambria Math" charset="0"/>
+                            </a:rPr>
+                          </m:ctrlPr>
+                        </m:sSubPr>
+                        <m:e>
+                          <m:r>
+                            <a:rPr lang="en-US" altLang="zh-CN" i="1">
+                              <a:solidFill>
+                                <a:srgbClr val="0070C0"/>
+                              </a:solidFill>
+                              <a:latin typeface="Cambria Math" charset="0"/>
+                            </a:rPr>
+                            <m:t>𝑀</m:t>
+                          </m:r>
+                        </m:e>
+                        <m:sub>
+                          <m:r>
+                            <a:rPr lang="en-US" altLang="zh-CN" i="1">
+                              <a:solidFill>
+                                <a:srgbClr val="0070C0"/>
+                              </a:solidFill>
+                              <a:latin typeface="Cambria Math" charset="0"/>
+                            </a:rPr>
+                            <m:t>𝑖𝑛</m:t>
+                          </m:r>
+                        </m:sub>
+                      </m:sSub>
+                    </m:oMath>
+                  </m:oMathPara>
+                </a14:m>
+                <a:endParaRPr lang="en-US" dirty="0">
+                  <a:solidFill>
+                    <a:srgbClr val="0070C0"/>
+                  </a:solidFill>
+                </a:endParaRPr>
+              </a:p>
+            </p:txBody>
+          </p:sp>
+        </mc:Choice>
+        <mc:Fallback>
+          <p:sp>
+            <p:nvSpPr>
+              <p:cNvPr id="2" name="标题 1"/>
+              <p:cNvSpPr>
+                <a:spLocks noGrp="1" noRot="1" noChangeAspect="1" noMove="1" noResize="1" noEditPoints="1" noAdjustHandles="1" noChangeArrowheads="1" noChangeShapeType="1" noTextEdit="1"/>
+              </p:cNvSpPr>
+              <p:nvPr>
+                <p:ph type="title"/>
+              </p:nvPr>
+            </p:nvSpPr>
+            <p:spPr>
+              <a:xfrm>
+                <a:off x="6256336" y="-442913"/>
+                <a:ext cx="10018713" cy="1752599"/>
+              </a:xfrm>
+              <a:blipFill rotWithShape="0">
+                <a:blip r:embed="rId2"/>
+                <a:stretch>
+                  <a:fillRect/>
+                </a:stretch>
+              </a:blipFill>
+            </p:spPr>
+            <p:txBody>
+              <a:bodyPr/>
+              <a:lstStyle/>
+              <a:p>
+                <a:r>
+                  <a:rPr lang="en-US">
+                    <a:noFill/>
+                  </a:rPr>
+                  <a:t> </a:t>
+                </a:r>
+              </a:p>
+            </p:txBody>
+          </p:sp>
+        </mc:Fallback>
+      </mc:AlternateContent>
+      <p:pic>
+        <p:nvPicPr>
+          <p:cNvPr id="4" name="图片 3"/>
+          <p:cNvPicPr>
+            <a:picLocks noChangeAspect="1"/>
+          </p:cNvPicPr>
+          <p:nvPr/>
+        </p:nvPicPr>
+        <p:blipFill>
+          <a:blip r:embed="rId3">
+            <a:clrChange>
+              <a:clrFrom>
+                <a:srgbClr val="FFFFFF"/>
+              </a:clrFrom>
+              <a:clrTo>
+                <a:srgbClr val="FFFFFF">
+                  <a:alpha val="0"/>
+                </a:srgbClr>
+              </a:clrTo>
+            </a:clrChange>
+            <a:extLst>
+              <a:ext uri="{28A0092B-C50C-407E-A947-70E740481C1C}">
+                <a14:useLocalDpi xmlns:a14="http://schemas.microsoft.com/office/drawing/2010/main" val="0"/>
+              </a:ext>
+            </a:extLst>
+          </a:blip>
+          <a:stretch>
+            <a:fillRect/>
+          </a:stretch>
+        </p:blipFill>
+        <p:spPr>
+          <a:xfrm>
+            <a:off x="3443289" y="190041"/>
+            <a:ext cx="6829424" cy="4364883"/>
+          </a:xfrm>
+          <a:prstGeom prst="rect">
+            <a:avLst/>
+          </a:prstGeom>
+        </p:spPr>
+      </p:pic>
+      <p:pic>
+        <p:nvPicPr>
+          <p:cNvPr id="5" name="图片 4"/>
+          <p:cNvPicPr>
+            <a:picLocks noChangeAspect="1"/>
+          </p:cNvPicPr>
+          <p:nvPr/>
+        </p:nvPicPr>
+        <p:blipFill>
+          <a:blip r:embed="rId4">
+            <a:clrChange>
+              <a:clrFrom>
+                <a:srgbClr val="FFFFFF"/>
+              </a:clrFrom>
+              <a:clrTo>
+                <a:srgbClr val="FFFFFF">
+                  <a:alpha val="0"/>
+                </a:srgbClr>
+              </a:clrTo>
+            </a:clrChange>
+            <a:extLst>
+              <a:ext uri="{28A0092B-C50C-407E-A947-70E740481C1C}">
+                <a14:useLocalDpi xmlns:a14="http://schemas.microsoft.com/office/drawing/2010/main" val="0"/>
+              </a:ext>
+            </a:extLst>
+          </a:blip>
+          <a:stretch>
+            <a:fillRect/>
+          </a:stretch>
+        </p:blipFill>
+        <p:spPr>
+          <a:xfrm>
+            <a:off x="3008313" y="4687321"/>
+            <a:ext cx="7937062" cy="1876425"/>
+          </a:xfrm>
+          <a:prstGeom prst="rect">
+            <a:avLst/>
+          </a:prstGeom>
+        </p:spPr>
+      </p:pic>
+    </p:spTree>
+    <p:extLst>
+      <p:ext uri="{BB962C8B-B14F-4D97-AF65-F5344CB8AC3E}">
+        <p14:creationId xmlns:p14="http://schemas.microsoft.com/office/powerpoint/2010/main" val="446038271"/>
+      </p:ext>
+    </p:extLst>
+  </p:cSld>
+  <p:clrMapOvr>
+    <a:masterClrMapping/>
+  </p:clrMapOvr>
+  <p:timing>
+    <p:tnLst>
+      <p:par>
+        <p:cTn id="1" dur="indefinite" restart="never" nodeType="tmRoot"/>
+      </p:par>
+    </p:tnLst>
+  </p:timing>
+</p:sld>
+</file>
+
+<file path=ppt/slides/slide7.xml><?xml version="1.0" encoding="utf-8"?>
+<p:sld xmlns:a="http://schemas.openxmlformats.org/drawingml/2006/main" xmlns:r="http://schemas.openxmlformats.org/officeDocument/2006/relationships" xmlns:p="http://schemas.openxmlformats.org/presentationml/2006/main">
+  <p:cSld>
+    <p:spTree>
+      <p:nvGrpSpPr>
+        <p:cNvPr id="1" name=""/>
+        <p:cNvGrpSpPr/>
+        <p:nvPr/>
+      </p:nvGrpSpPr>
+      <p:grpSpPr>
+        <a:xfrm>
+          <a:off x="0" y="0"/>
+          <a:ext cx="0" cy="0"/>
+          <a:chOff x="0" y="0"/>
+          <a:chExt cx="0" cy="0"/>
+        </a:xfrm>
+      </p:grpSpPr>
       <p:sp>
         <p:nvSpPr>
           <p:cNvPr id="2" name="标题 1"/>
@@ -9640,7 +10500,7 @@
 </p:sld>
 </file>
 
-<file path=ppt/slides/slide7.xml><?xml version="1.0" encoding="utf-8"?>
+<file path=ppt/slides/slide8.xml><?xml version="1.0" encoding="utf-8"?>
 <p:sld xmlns:a="http://schemas.openxmlformats.org/drawingml/2006/main" xmlns:r="http://schemas.openxmlformats.org/officeDocument/2006/relationships" xmlns:p="http://schemas.openxmlformats.org/presentationml/2006/main">
   <p:cSld>
     <p:spTree>
@@ -9705,7 +10565,7 @@
 </p:sld>
 </file>
 
-<file path=ppt/slides/slide8.xml><?xml version="1.0" encoding="utf-8"?>
+<file path=ppt/slides/slide9.xml><?xml version="1.0" encoding="utf-8"?>
 <p:sld xmlns:a="http://schemas.openxmlformats.org/drawingml/2006/main" xmlns:r="http://schemas.openxmlformats.org/officeDocument/2006/relationships" xmlns:p="http://schemas.openxmlformats.org/presentationml/2006/main">
   <p:cSld>
     <p:spTree>
@@ -10046,687 +10906,6 @@
     <p:extLst>
       <p:ext uri="{BB962C8B-B14F-4D97-AF65-F5344CB8AC3E}">
         <p14:creationId xmlns:p14="http://schemas.microsoft.com/office/powerpoint/2010/main" val="639467328"/>
-      </p:ext>
-    </p:extLst>
-  </p:cSld>
-  <p:clrMapOvr>
-    <a:masterClrMapping/>
-  </p:clrMapOvr>
-  <p:timing>
-    <p:tnLst>
-      <p:par>
-        <p:cTn id="1" dur="indefinite" restart="never" nodeType="tmRoot"/>
-      </p:par>
-    </p:tnLst>
-  </p:timing>
-</p:sld>
-</file>
-
-<file path=ppt/slides/slide9.xml><?xml version="1.0" encoding="utf-8"?>
-<p:sld xmlns:a="http://schemas.openxmlformats.org/drawingml/2006/main" xmlns:r="http://schemas.openxmlformats.org/officeDocument/2006/relationships" xmlns:p="http://schemas.openxmlformats.org/presentationml/2006/main">
-  <p:cSld>
-    <p:spTree>
-      <p:nvGrpSpPr>
-        <p:cNvPr id="1" name=""/>
-        <p:cNvGrpSpPr/>
-        <p:nvPr/>
-      </p:nvGrpSpPr>
-      <p:grpSpPr>
-        <a:xfrm>
-          <a:off x="0" y="0"/>
-          <a:ext cx="0" cy="0"/>
-          <a:chOff x="0" y="0"/>
-          <a:chExt cx="0" cy="0"/>
-        </a:xfrm>
-      </p:grpSpPr>
-      <p:pic>
-        <p:nvPicPr>
-          <p:cNvPr id="4" name="图片 3"/>
-          <p:cNvPicPr>
-            <a:picLocks noChangeAspect="1"/>
-          </p:cNvPicPr>
-          <p:nvPr/>
-        </p:nvPicPr>
-        <p:blipFill>
-          <a:blip r:embed="rId2">
-            <a:clrChange>
-              <a:clrFrom>
-                <a:srgbClr val="FFFFFF"/>
-              </a:clrFrom>
-              <a:clrTo>
-                <a:srgbClr val="FFFFFF">
-                  <a:alpha val="0"/>
-                </a:srgbClr>
-              </a:clrTo>
-            </a:clrChange>
-            <a:extLst>
-              <a:ext uri="{28A0092B-C50C-407E-A947-70E740481C1C}">
-                <a14:useLocalDpi xmlns:a14="http://schemas.microsoft.com/office/drawing/2010/main" val="0"/>
-              </a:ext>
-            </a:extLst>
-          </a:blip>
-          <a:stretch>
-            <a:fillRect/>
-          </a:stretch>
-        </p:blipFill>
-        <p:spPr>
-          <a:xfrm>
-            <a:off x="1764507" y="1168400"/>
-            <a:ext cx="4305300" cy="2603500"/>
-          </a:xfrm>
-          <a:prstGeom prst="rect">
-            <a:avLst/>
-          </a:prstGeom>
-        </p:spPr>
-      </p:pic>
-      <p:pic>
-        <p:nvPicPr>
-          <p:cNvPr id="5" name="图片 4"/>
-          <p:cNvPicPr>
-            <a:picLocks noChangeAspect="1"/>
-          </p:cNvPicPr>
-          <p:nvPr/>
-        </p:nvPicPr>
-        <p:blipFill>
-          <a:blip r:embed="rId3">
-            <a:clrChange>
-              <a:clrFrom>
-                <a:srgbClr val="FFFFFF"/>
-              </a:clrFrom>
-              <a:clrTo>
-                <a:srgbClr val="FFFFFF">
-                  <a:alpha val="0"/>
-                </a:srgbClr>
-              </a:clrTo>
-            </a:clrChange>
-            <a:extLst>
-              <a:ext uri="{28A0092B-C50C-407E-A947-70E740481C1C}">
-                <a14:useLocalDpi xmlns:a14="http://schemas.microsoft.com/office/drawing/2010/main" val="0"/>
-              </a:ext>
-            </a:extLst>
-          </a:blip>
-          <a:stretch>
-            <a:fillRect/>
-          </a:stretch>
-        </p:blipFill>
-        <p:spPr>
-          <a:xfrm>
-            <a:off x="8186739" y="39687"/>
-            <a:ext cx="2819400" cy="4279900"/>
-          </a:xfrm>
-          <a:prstGeom prst="rect">
-            <a:avLst/>
-          </a:prstGeom>
-        </p:spPr>
-      </p:pic>
-      <p:sp>
-        <p:nvSpPr>
-          <p:cNvPr id="6" name="框架 5"/>
-          <p:cNvSpPr/>
-          <p:nvPr/>
-        </p:nvSpPr>
-        <p:spPr>
-          <a:xfrm>
-            <a:off x="2050257" y="1537733"/>
-            <a:ext cx="3750468" cy="405368"/>
-          </a:xfrm>
-          <a:prstGeom prst="frame">
-            <a:avLst/>
-          </a:prstGeom>
-        </p:spPr>
-        <p:style>
-          <a:lnRef idx="2">
-            <a:schemeClr val="accent1">
-              <a:shade val="50000"/>
-            </a:schemeClr>
-          </a:lnRef>
-          <a:fillRef idx="1">
-            <a:schemeClr val="accent1"/>
-          </a:fillRef>
-          <a:effectRef idx="0">
-            <a:schemeClr val="accent1"/>
-          </a:effectRef>
-          <a:fontRef idx="minor">
-            <a:schemeClr val="lt1"/>
-          </a:fontRef>
-        </p:style>
-        <p:txBody>
-          <a:bodyPr rtlCol="0" anchor="ctr"/>
-          <a:lstStyle/>
-          <a:p>
-            <a:pPr algn="ctr"/>
-            <a:endParaRPr lang="en-US">
-              <a:solidFill>
-                <a:schemeClr val="tx1"/>
-              </a:solidFill>
-            </a:endParaRPr>
-          </a:p>
-        </p:txBody>
-      </p:sp>
-      <p:sp>
-        <p:nvSpPr>
-          <p:cNvPr id="7" name="框架 6"/>
-          <p:cNvSpPr/>
-          <p:nvPr/>
-        </p:nvSpPr>
-        <p:spPr>
-          <a:xfrm>
-            <a:off x="8673468" y="357187"/>
-            <a:ext cx="571500" cy="3414713"/>
-          </a:xfrm>
-          <a:prstGeom prst="frame">
-            <a:avLst/>
-          </a:prstGeom>
-        </p:spPr>
-        <p:style>
-          <a:lnRef idx="2">
-            <a:schemeClr val="accent1">
-              <a:shade val="50000"/>
-            </a:schemeClr>
-          </a:lnRef>
-          <a:fillRef idx="1">
-            <a:schemeClr val="accent1"/>
-          </a:fillRef>
-          <a:effectRef idx="0">
-            <a:schemeClr val="accent1"/>
-          </a:effectRef>
-          <a:fontRef idx="minor">
-            <a:schemeClr val="lt1"/>
-          </a:fontRef>
-        </p:style>
-        <p:txBody>
-          <a:bodyPr rtlCol="0" anchor="ctr"/>
-          <a:lstStyle/>
-          <a:p>
-            <a:pPr algn="ctr"/>
-            <a:endParaRPr lang="en-US">
-              <a:solidFill>
-                <a:schemeClr val="tx1"/>
-              </a:solidFill>
-            </a:endParaRPr>
-          </a:p>
-        </p:txBody>
-      </p:sp>
-      <p:graphicFrame>
-        <p:nvGraphicFramePr>
-          <p:cNvPr id="8" name="表格 7"/>
-          <p:cNvGraphicFramePr>
-            <a:graphicFrameLocks noGrp="1"/>
-          </p:cNvGraphicFramePr>
-          <p:nvPr>
-            <p:extLst>
-              <p:ext uri="{D42A27DB-BD31-4B8C-83A1-F6EECF244321}">
-                <p14:modId xmlns:p14="http://schemas.microsoft.com/office/powerpoint/2010/main" val="779903078"/>
-              </p:ext>
-            </p:extLst>
-          </p:nvPr>
-        </p:nvGraphicFramePr>
-        <p:xfrm>
-          <a:off x="2905719" y="3771900"/>
-          <a:ext cx="1756410" cy="1828549"/>
-        </p:xfrm>
-        <a:graphic>
-          <a:graphicData uri="http://schemas.openxmlformats.org/drawingml/2006/table">
-            <a:tbl>
-              <a:tblPr firstRow="1" bandRow="1">
-                <a:tableStyleId>{D7AC3CCA-C797-4891-BE02-D94E43425B78}</a:tableStyleId>
-              </a:tblPr>
-              <a:tblGrid>
-                <a:gridCol w="1756410"/>
-              </a:tblGrid>
-              <a:tr h="429514">
-                <a:tc>
-                  <a:txBody>
-                    <a:bodyPr/>
-                    <a:lstStyle/>
-                    <a:p>
-                      <a:pPr algn="ctr"/>
-                      <a:r>
-                        <a:rPr lang="en-US" b="0" dirty="0" smtClean="0"/>
-                        <a:t>cat</a:t>
-                      </a:r>
-                    </a:p>
-                  </a:txBody>
-                  <a:tcPr/>
-                </a:tc>
-              </a:tr>
-              <a:tr h="466345">
-                <a:tc>
-                  <a:txBody>
-                    <a:bodyPr/>
-                    <a:lstStyle/>
-                    <a:p>
-                      <a:pPr algn="ctr"/>
-                      <a:r>
-                        <a:rPr lang="en-US" dirty="0" smtClean="0"/>
-                        <a:t>is</a:t>
-                      </a:r>
-                      <a:endParaRPr lang="en-US" dirty="0"/>
-                    </a:p>
-                  </a:txBody>
-                  <a:tcPr/>
-                </a:tc>
-              </a:tr>
-              <a:tr h="466345">
-                <a:tc>
-                  <a:txBody>
-                    <a:bodyPr/>
-                    <a:lstStyle/>
-                    <a:p>
-                      <a:pPr algn="ctr"/>
-                      <a:r>
-                        <a:rPr lang="en-US" dirty="0" smtClean="0"/>
-                        <a:t>on</a:t>
-                      </a:r>
-                      <a:endParaRPr lang="en-US" dirty="0"/>
-                    </a:p>
-                  </a:txBody>
-                  <a:tcPr/>
-                </a:tc>
-              </a:tr>
-              <a:tr h="466345">
-                <a:tc>
-                  <a:txBody>
-                    <a:bodyPr/>
-                    <a:lstStyle/>
-                    <a:p>
-                      <a:pPr algn="ctr"/>
-                      <a:r>
-                        <a:rPr lang="en-US" dirty="0" smtClean="0"/>
-                        <a:t>sofa</a:t>
-                      </a:r>
-                      <a:endParaRPr lang="en-US" dirty="0"/>
-                    </a:p>
-                  </a:txBody>
-                  <a:tcPr/>
-                </a:tc>
-              </a:tr>
-            </a:tbl>
-          </a:graphicData>
-        </a:graphic>
-      </p:graphicFrame>
-      <p:graphicFrame>
-        <p:nvGraphicFramePr>
-          <p:cNvPr id="9" name="表格 8"/>
-          <p:cNvGraphicFramePr>
-            <a:graphicFrameLocks noGrp="1"/>
-          </p:cNvGraphicFramePr>
-          <p:nvPr>
-            <p:extLst>
-              <p:ext uri="{D42A27DB-BD31-4B8C-83A1-F6EECF244321}">
-                <p14:modId xmlns:p14="http://schemas.microsoft.com/office/powerpoint/2010/main" val="300681326"/>
-              </p:ext>
-            </p:extLst>
-          </p:nvPr>
-        </p:nvGraphicFramePr>
-        <p:xfrm>
-          <a:off x="8959218" y="4106862"/>
-          <a:ext cx="1756410" cy="1836236"/>
-        </p:xfrm>
-        <a:graphic>
-          <a:graphicData uri="http://schemas.openxmlformats.org/drawingml/2006/table">
-            <a:tbl>
-              <a:tblPr firstRow="1" bandRow="1">
-                <a:tableStyleId>{D7AC3CCA-C797-4891-BE02-D94E43425B78}</a:tableStyleId>
-              </a:tblPr>
-              <a:tblGrid>
-                <a:gridCol w="1756410"/>
-              </a:tblGrid>
-              <a:tr h="437201">
-                <a:tc>
-                  <a:txBody>
-                    <a:bodyPr/>
-                    <a:lstStyle/>
-                    <a:p>
-                      <a:pPr algn="ctr"/>
-                      <a:r>
-                        <a:rPr lang="en-US" dirty="0" smtClean="0">
-                          <a:solidFill>
-                            <a:srgbClr val="FF0000"/>
-                          </a:solidFill>
-                        </a:rPr>
-                        <a:t>sitting</a:t>
-                      </a:r>
-                      <a:endParaRPr lang="en-US" b="0" dirty="0" smtClean="0">
-                        <a:solidFill>
-                          <a:srgbClr val="FF0000"/>
-                        </a:solidFill>
-                      </a:endParaRPr>
-                    </a:p>
-                  </a:txBody>
-                  <a:tcPr/>
-                </a:tc>
-              </a:tr>
-              <a:tr h="466345">
-                <a:tc>
-                  <a:txBody>
-                    <a:bodyPr/>
-                    <a:lstStyle/>
-                    <a:p>
-                      <a:pPr algn="ctr"/>
-                      <a:r>
-                        <a:rPr lang="en-US" dirty="0" smtClean="0"/>
-                        <a:t>dog</a:t>
-                      </a:r>
-                      <a:endParaRPr lang="en-US" dirty="0"/>
-                    </a:p>
-                  </a:txBody>
-                  <a:tcPr/>
-                </a:tc>
-              </a:tr>
-              <a:tr h="466345">
-                <a:tc>
-                  <a:txBody>
-                    <a:bodyPr/>
-                    <a:lstStyle/>
-                    <a:p>
-                      <a:pPr algn="ctr"/>
-                      <a:r>
-                        <a:rPr lang="en-US" dirty="0" smtClean="0"/>
-                        <a:t>pencil</a:t>
-                      </a:r>
-                      <a:endParaRPr lang="en-US" dirty="0"/>
-                    </a:p>
-                  </a:txBody>
-                  <a:tcPr/>
-                </a:tc>
-              </a:tr>
-              <a:tr h="466345">
-                <a:tc>
-                  <a:txBody>
-                    <a:bodyPr/>
-                    <a:lstStyle/>
-                    <a:p>
-                      <a:pPr algn="ctr"/>
-                      <a:r>
-                        <a:rPr lang="en-US" dirty="0" smtClean="0"/>
-                        <a:t>man</a:t>
-                      </a:r>
-                    </a:p>
-                  </a:txBody>
-                  <a:tcPr/>
-                </a:tc>
-              </a:tr>
-            </a:tbl>
-          </a:graphicData>
-        </a:graphic>
-      </p:graphicFrame>
-      <p:sp>
-        <p:nvSpPr>
-          <p:cNvPr id="10" name="文本框 9"/>
-          <p:cNvSpPr txBox="1"/>
-          <p:nvPr/>
-        </p:nvSpPr>
-        <p:spPr>
-          <a:xfrm>
-            <a:off x="1524698" y="1558410"/>
-            <a:ext cx="479618" cy="369332"/>
-          </a:xfrm>
-          <a:prstGeom prst="rect">
-            <a:avLst/>
-          </a:prstGeom>
-          <a:noFill/>
-        </p:spPr>
-        <p:txBody>
-          <a:bodyPr wrap="none" rtlCol="0">
-            <a:spAutoFit/>
-          </a:bodyPr>
-          <a:lstStyle/>
-          <a:p>
-            <a:r>
-              <a:rPr lang="en-US" dirty="0" smtClean="0"/>
-              <a:t>cat</a:t>
-            </a:r>
-            <a:endParaRPr lang="en-US" dirty="0"/>
-          </a:p>
-        </p:txBody>
-      </p:sp>
-      <p:sp>
-        <p:nvSpPr>
-          <p:cNvPr id="11" name="文本框 10"/>
-          <p:cNvSpPr txBox="1"/>
-          <p:nvPr/>
-        </p:nvSpPr>
-        <p:spPr>
-          <a:xfrm>
-            <a:off x="8503003" y="0"/>
-            <a:ext cx="787395" cy="369332"/>
-          </a:xfrm>
-          <a:prstGeom prst="rect">
-            <a:avLst/>
-          </a:prstGeom>
-          <a:noFill/>
-        </p:spPr>
-        <p:txBody>
-          <a:bodyPr wrap="none" rtlCol="0">
-            <a:spAutoFit/>
-          </a:bodyPr>
-          <a:lstStyle/>
-          <a:p>
-            <a:r>
-              <a:rPr lang="en-US" smtClean="0">
-                <a:solidFill>
-                  <a:srgbClr val="FF0000"/>
-                </a:solidFill>
-              </a:rPr>
-              <a:t>sitting</a:t>
-            </a:r>
-            <a:endParaRPr lang="en-US" dirty="0">
-              <a:solidFill>
-                <a:srgbClr val="FF0000"/>
-              </a:solidFill>
-            </a:endParaRPr>
-          </a:p>
-        </p:txBody>
-      </p:sp>
-      <mc:AlternateContent xmlns:mc="http://schemas.openxmlformats.org/markup-compatibility/2006">
-        <mc:Choice xmlns:a14="http://schemas.microsoft.com/office/drawing/2010/main" Requires="a14">
-          <p:sp>
-            <p:nvSpPr>
-              <p:cNvPr id="12" name="文本框 11"/>
-              <p:cNvSpPr txBox="1"/>
-              <p:nvPr/>
-            </p:nvSpPr>
-            <p:spPr>
-              <a:xfrm>
-                <a:off x="3486150" y="959002"/>
-                <a:ext cx="595548" cy="369332"/>
-              </a:xfrm>
-              <a:prstGeom prst="rect">
-                <a:avLst/>
-              </a:prstGeom>
-              <a:noFill/>
-            </p:spPr>
-            <p:txBody>
-              <a:bodyPr wrap="none" rtlCol="0">
-                <a:spAutoFit/>
-              </a:bodyPr>
-              <a:lstStyle/>
-              <a:p>
-                <a14:m>
-                  <m:oMathPara xmlns:m="http://schemas.openxmlformats.org/officeDocument/2006/math">
-                    <m:oMathParaPr>
-                      <m:jc m:val="centerGroup"/>
-                    </m:oMathParaPr>
-                    <m:oMath xmlns:m="http://schemas.openxmlformats.org/officeDocument/2006/math">
-                      <m:sSub>
-                        <m:sSubPr>
-                          <m:ctrlPr>
-                            <a:rPr lang="en-US" altLang="zh-CN" i="1">
-                              <a:latin typeface="Cambria Math" charset="0"/>
-                            </a:rPr>
-                          </m:ctrlPr>
-                        </m:sSubPr>
-                        <m:e>
-                          <m:r>
-                            <a:rPr lang="en-US" altLang="zh-CN" i="1">
-                              <a:latin typeface="Cambria Math" charset="0"/>
-                            </a:rPr>
-                            <m:t>𝑀</m:t>
-                          </m:r>
-                        </m:e>
-                        <m:sub>
-                          <m:r>
-                            <a:rPr lang="en-US" altLang="zh-CN" i="1">
-                              <a:latin typeface="Cambria Math" charset="0"/>
-                            </a:rPr>
-                            <m:t>𝑖𝑛</m:t>
-                          </m:r>
-                        </m:sub>
-                      </m:sSub>
-                    </m:oMath>
-                  </m:oMathPara>
-                </a14:m>
-                <a:endParaRPr lang="en-US" dirty="0"/>
-              </a:p>
-            </p:txBody>
-          </p:sp>
-        </mc:Choice>
-        <mc:Fallback>
-          <p:sp>
-            <p:nvSpPr>
-              <p:cNvPr id="12" name="文本框 11"/>
-              <p:cNvSpPr txBox="1">
-                <a:spLocks noRot="1" noChangeAspect="1" noMove="1" noResize="1" noEditPoints="1" noAdjustHandles="1" noChangeArrowheads="1" noChangeShapeType="1" noTextEdit="1"/>
-              </p:cNvSpPr>
-              <p:nvPr/>
-            </p:nvSpPr>
-            <p:spPr>
-              <a:xfrm>
-                <a:off x="3486150" y="959002"/>
-                <a:ext cx="595548" cy="369332"/>
-              </a:xfrm>
-              <a:prstGeom prst="rect">
-                <a:avLst/>
-              </a:prstGeom>
-              <a:blipFill rotWithShape="0">
-                <a:blip r:embed="rId4"/>
-                <a:stretch>
-                  <a:fillRect/>
-                </a:stretch>
-              </a:blipFill>
-            </p:spPr>
-            <p:txBody>
-              <a:bodyPr/>
-              <a:lstStyle/>
-              <a:p>
-                <a:r>
-                  <a:rPr lang="en-US">
-                    <a:noFill/>
-                  </a:rPr>
-                  <a:t> </a:t>
-                </a:r>
-              </a:p>
-            </p:txBody>
-          </p:sp>
-        </mc:Fallback>
-      </mc:AlternateContent>
-      <mc:AlternateContent xmlns:mc="http://schemas.openxmlformats.org/markup-compatibility/2006">
-        <mc:Choice xmlns:a14="http://schemas.microsoft.com/office/drawing/2010/main" Requires="a14">
-          <p:sp>
-            <p:nvSpPr>
-              <p:cNvPr id="13" name="文本框 12"/>
-              <p:cNvSpPr txBox="1"/>
-              <p:nvPr/>
-            </p:nvSpPr>
-            <p:spPr>
-              <a:xfrm>
-                <a:off x="11176604" y="1758434"/>
-                <a:ext cx="710964" cy="369332"/>
-              </a:xfrm>
-              <a:prstGeom prst="rect">
-                <a:avLst/>
-              </a:prstGeom>
-              <a:noFill/>
-            </p:spPr>
-            <p:txBody>
-              <a:bodyPr wrap="none" rtlCol="0">
-                <a:spAutoFit/>
-              </a:bodyPr>
-              <a:lstStyle/>
-              <a:p>
-                <a14:m>
-                  <m:oMathPara xmlns:m="http://schemas.openxmlformats.org/officeDocument/2006/math">
-                    <m:oMathParaPr>
-                      <m:jc m:val="centerGroup"/>
-                    </m:oMathParaPr>
-                    <m:oMath xmlns:m="http://schemas.openxmlformats.org/officeDocument/2006/math">
-                      <m:sSub>
-                        <m:sSubPr>
-                          <m:ctrlPr>
-                            <a:rPr lang="en-US" altLang="zh-CN" i="1">
-                              <a:latin typeface="Cambria Math" charset="0"/>
-                            </a:rPr>
-                          </m:ctrlPr>
-                        </m:sSubPr>
-                        <m:e>
-                          <m:r>
-                            <a:rPr lang="en-US" altLang="zh-CN" i="1">
-                              <a:latin typeface="Cambria Math" charset="0"/>
-                            </a:rPr>
-                            <m:t>𝑀</m:t>
-                          </m:r>
-                        </m:e>
-                        <m:sub>
-                          <m:r>
-                            <a:rPr lang="en-US" altLang="zh-CN" i="1">
-                              <a:latin typeface="Cambria Math" charset="0"/>
-                            </a:rPr>
-                            <m:t>𝑜𝑢𝑡</m:t>
-                          </m:r>
-                        </m:sub>
-                      </m:sSub>
-                    </m:oMath>
-                  </m:oMathPara>
-                </a14:m>
-                <a:endParaRPr lang="en-US" dirty="0"/>
-              </a:p>
-            </p:txBody>
-          </p:sp>
-        </mc:Choice>
-        <mc:Fallback>
-          <p:sp>
-            <p:nvSpPr>
-              <p:cNvPr id="13" name="文本框 12"/>
-              <p:cNvSpPr txBox="1">
-                <a:spLocks noRot="1" noChangeAspect="1" noMove="1" noResize="1" noEditPoints="1" noAdjustHandles="1" noChangeArrowheads="1" noChangeShapeType="1" noTextEdit="1"/>
-              </p:cNvSpPr>
-              <p:nvPr/>
-            </p:nvSpPr>
-            <p:spPr>
-              <a:xfrm>
-                <a:off x="11176604" y="1758434"/>
-                <a:ext cx="710964" cy="369332"/>
-              </a:xfrm>
-              <a:prstGeom prst="rect">
-                <a:avLst/>
-              </a:prstGeom>
-              <a:blipFill rotWithShape="0">
-                <a:blip r:embed="rId5"/>
-                <a:stretch>
-                  <a:fillRect/>
-                </a:stretch>
-              </a:blipFill>
-            </p:spPr>
-            <p:txBody>
-              <a:bodyPr/>
-              <a:lstStyle/>
-              <a:p>
-                <a:r>
-                  <a:rPr lang="en-US">
-                    <a:noFill/>
-                  </a:rPr>
-                  <a:t> </a:t>
-                </a:r>
-              </a:p>
-            </p:txBody>
-          </p:sp>
-        </mc:Fallback>
-      </mc:AlternateContent>
-    </p:spTree>
-    <p:extLst>
-      <p:ext uri="{BB962C8B-B14F-4D97-AF65-F5344CB8AC3E}">
-        <p14:creationId xmlns:p14="http://schemas.microsoft.com/office/powerpoint/2010/main" val="2007595122"/>
       </p:ext>
     </p:extLst>
   </p:cSld>
